--- a/BCI - Day4 - Consensus 2 POS.pptx
+++ b/BCI - Day4 - Consensus 2 POS.pptx
@@ -7710,7 +7710,7 @@
                 </a:solidFill>
                 <a:sym typeface="+mn-ea"/>
               </a:rPr>
-              <a:t>How to randomly selected?</a:t>
+              <a:t>How to do random selection?</a:t>
             </a:r>
             <a:endParaRPr lang="en-US" altLang="en-US" sz="1800" dirty="0">
               <a:solidFill>
